--- a/docs/DiapositivaDB.pptx
+++ b/docs/DiapositivaDB.pptx
@@ -233,7 +233,7 @@
           <a:p>
             <a:fld id="{B7268E1E-0E44-426D-905E-8AD9B19D2182}" type="datetimeFigureOut">
               <a:rPr lang="cs-CZ" smtClean="0"/>
-              <a:t>12.12.2025</a:t>
+              <a:t>13.12.2025</a:t>
             </a:fld>
             <a:endParaRPr lang="cs-CZ"/>
           </a:p>
@@ -2401,7 +2401,7 @@
             <a:fld id="{1D8BD707-D9CF-40AE-B4C6-C98DA3205C09}" type="datetimeFigureOut">
               <a:rPr lang="en-US" smtClean="0"/>
               <a:pPr/>
-              <a:t>12/12/2025</a:t>
+              <a:t>12/13/2025</a:t>
             </a:fld>
             <a:endParaRPr lang="en-US"/>
           </a:p>
@@ -2566,7 +2566,7 @@
             <a:fld id="{1D8BD707-D9CF-40AE-B4C6-C98DA3205C09}" type="datetimeFigureOut">
               <a:rPr lang="en-US" smtClean="0"/>
               <a:pPr/>
-              <a:t>12/12/2025</a:t>
+              <a:t>12/13/2025</a:t>
             </a:fld>
             <a:endParaRPr lang="en-US"/>
           </a:p>
@@ -2741,7 +2741,7 @@
             <a:fld id="{1D8BD707-D9CF-40AE-B4C6-C98DA3205C09}" type="datetimeFigureOut">
               <a:rPr lang="en-US" smtClean="0"/>
               <a:pPr/>
-              <a:t>12/12/2025</a:t>
+              <a:t>12/13/2025</a:t>
             </a:fld>
             <a:endParaRPr lang="en-US"/>
           </a:p>
@@ -2906,7 +2906,7 @@
             <a:fld id="{1D8BD707-D9CF-40AE-B4C6-C98DA3205C09}" type="datetimeFigureOut">
               <a:rPr lang="en-US" smtClean="0"/>
               <a:pPr/>
-              <a:t>12/12/2025</a:t>
+              <a:t>12/13/2025</a:t>
             </a:fld>
             <a:endParaRPr lang="en-US"/>
           </a:p>
@@ -3148,7 +3148,7 @@
             <a:fld id="{1D8BD707-D9CF-40AE-B4C6-C98DA3205C09}" type="datetimeFigureOut">
               <a:rPr lang="en-US" smtClean="0"/>
               <a:pPr/>
-              <a:t>12/12/2025</a:t>
+              <a:t>12/13/2025</a:t>
             </a:fld>
             <a:endParaRPr lang="en-US"/>
           </a:p>
@@ -3430,7 +3430,7 @@
             <a:fld id="{1D8BD707-D9CF-40AE-B4C6-C98DA3205C09}" type="datetimeFigureOut">
               <a:rPr lang="en-US" smtClean="0"/>
               <a:pPr/>
-              <a:t>12/12/2025</a:t>
+              <a:t>12/13/2025</a:t>
             </a:fld>
             <a:endParaRPr lang="en-US"/>
           </a:p>
@@ -3846,7 +3846,7 @@
             <a:fld id="{1D8BD707-D9CF-40AE-B4C6-C98DA3205C09}" type="datetimeFigureOut">
               <a:rPr lang="en-US" smtClean="0"/>
               <a:pPr/>
-              <a:t>12/12/2025</a:t>
+              <a:t>12/13/2025</a:t>
             </a:fld>
             <a:endParaRPr lang="en-US"/>
           </a:p>
@@ -3960,7 +3960,7 @@
             <a:fld id="{1D8BD707-D9CF-40AE-B4C6-C98DA3205C09}" type="datetimeFigureOut">
               <a:rPr lang="en-US" smtClean="0"/>
               <a:pPr/>
-              <a:t>12/12/2025</a:t>
+              <a:t>12/13/2025</a:t>
             </a:fld>
             <a:endParaRPr lang="en-US"/>
           </a:p>
@@ -4052,7 +4052,7 @@
             <a:fld id="{1D8BD707-D9CF-40AE-B4C6-C98DA3205C09}" type="datetimeFigureOut">
               <a:rPr lang="en-US" smtClean="0"/>
               <a:pPr/>
-              <a:t>12/12/2025</a:t>
+              <a:t>12/13/2025</a:t>
             </a:fld>
             <a:endParaRPr lang="en-US"/>
           </a:p>
@@ -4324,7 +4324,7 @@
             <a:fld id="{1D8BD707-D9CF-40AE-B4C6-C98DA3205C09}" type="datetimeFigureOut">
               <a:rPr lang="en-US" smtClean="0"/>
               <a:pPr/>
-              <a:t>12/12/2025</a:t>
+              <a:t>12/13/2025</a:t>
             </a:fld>
             <a:endParaRPr lang="en-US"/>
           </a:p>
@@ -4573,7 +4573,7 @@
             <a:fld id="{1D8BD707-D9CF-40AE-B4C6-C98DA3205C09}" type="datetimeFigureOut">
               <a:rPr lang="en-US" smtClean="0"/>
               <a:pPr/>
-              <a:t>12/12/2025</a:t>
+              <a:t>12/13/2025</a:t>
             </a:fld>
             <a:endParaRPr lang="en-US"/>
           </a:p>
@@ -4781,7 +4781,7 @@
             <a:fld id="{1D8BD707-D9CF-40AE-B4C6-C98DA3205C09}" type="datetimeFigureOut">
               <a:rPr lang="en-US" smtClean="0"/>
               <a:pPr/>
-              <a:t>12/12/2025</a:t>
+              <a:t>12/13/2025</a:t>
             </a:fld>
             <a:endParaRPr lang="en-US"/>
           </a:p>
@@ -23029,7 +23029,7 @@
         <p:spPr>
           <a:xfrm>
             <a:off x="12546001" y="4612225"/>
-            <a:ext cx="5367600" cy="1676400"/>
+            <a:ext cx="5367600" cy="1744067"/>
           </a:xfrm>
           <a:prstGeom prst="rect">
             <a:avLst/>
@@ -23049,6 +23049,138 @@
               <a:buChar char="•"/>
             </a:pPr>
             <a:r>
+              <a:rPr lang="en-US" sz="2799" dirty="0">
+                <a:solidFill>
+                  <a:srgbClr val="29235C"/>
+                </a:solidFill>
+                <a:latin typeface="Mallanna"/>
+                <a:ea typeface="Mallanna"/>
+                <a:cs typeface="Mallanna"/>
+                <a:sym typeface="Mallanna"/>
+              </a:rPr>
+              <a:t>Las envois son </a:t>
+            </a:r>
+            <a:r>
+              <a:rPr lang="en-US" sz="2799" dirty="0" err="1">
+                <a:solidFill>
+                  <a:srgbClr val="29235C"/>
+                </a:solidFill>
+                <a:latin typeface="Mallanna"/>
+                <a:ea typeface="Mallanna"/>
+                <a:cs typeface="Mallanna"/>
+                <a:sym typeface="Mallanna"/>
+              </a:rPr>
+              <a:t>entregados</a:t>
+            </a:r>
+            <a:r>
+              <a:rPr lang="en-US" sz="2799" dirty="0">
+                <a:solidFill>
+                  <a:srgbClr val="29235C"/>
+                </a:solidFill>
+                <a:latin typeface="Mallanna"/>
+                <a:ea typeface="Mallanna"/>
+                <a:cs typeface="Mallanna"/>
+                <a:sym typeface="Mallanna"/>
+              </a:rPr>
+              <a:t> </a:t>
+            </a:r>
+            <a:r>
+              <a:rPr lang="en-US" sz="2799" dirty="0" err="1">
+                <a:solidFill>
+                  <a:srgbClr val="29235C"/>
+                </a:solidFill>
+                <a:latin typeface="Mallanna"/>
+                <a:ea typeface="Mallanna"/>
+                <a:cs typeface="Mallanna"/>
+                <a:sym typeface="Mallanna"/>
+              </a:rPr>
+              <a:t>en</a:t>
+            </a:r>
+            <a:r>
+              <a:rPr lang="en-US" sz="2799" dirty="0">
+                <a:solidFill>
+                  <a:srgbClr val="29235C"/>
+                </a:solidFill>
+                <a:latin typeface="Mallanna"/>
+                <a:ea typeface="Mallanna"/>
+                <a:cs typeface="Mallanna"/>
+                <a:sym typeface="Mallanna"/>
+              </a:rPr>
+              <a:t> </a:t>
+            </a:r>
+            <a:r>
+              <a:rPr lang="en-US" sz="2799" dirty="0" err="1">
+                <a:solidFill>
+                  <a:srgbClr val="29235C"/>
+                </a:solidFill>
+                <a:latin typeface="Mallanna"/>
+                <a:ea typeface="Mallanna"/>
+                <a:cs typeface="Mallanna"/>
+                <a:sym typeface="Mallanna"/>
+              </a:rPr>
+              <a:t>el</a:t>
+            </a:r>
+            <a:r>
+              <a:rPr lang="en-US" sz="2799" dirty="0">
+                <a:solidFill>
+                  <a:srgbClr val="29235C"/>
+                </a:solidFill>
+                <a:latin typeface="Mallanna"/>
+                <a:ea typeface="Mallanna"/>
+                <a:cs typeface="Mallanna"/>
+                <a:sym typeface="Mallanna"/>
+              </a:rPr>
+              <a:t> </a:t>
+            </a:r>
+            <a:r>
+              <a:rPr lang="en-US" sz="2799" dirty="0" err="1">
+                <a:solidFill>
+                  <a:srgbClr val="29235C"/>
+                </a:solidFill>
+                <a:latin typeface="Mallanna"/>
+                <a:ea typeface="Mallanna"/>
+                <a:cs typeface="Mallanna"/>
+                <a:sym typeface="Mallanna"/>
+              </a:rPr>
+              <a:t>mismo</a:t>
+            </a:r>
+            <a:r>
+              <a:rPr lang="en-US" sz="2799" dirty="0">
+                <a:solidFill>
+                  <a:srgbClr val="29235C"/>
+                </a:solidFill>
+                <a:latin typeface="Mallanna"/>
+                <a:ea typeface="Mallanna"/>
+                <a:cs typeface="Mallanna"/>
+                <a:sym typeface="Mallanna"/>
+              </a:rPr>
+              <a:t> </a:t>
+            </a:r>
+            <a:r>
+              <a:rPr lang="en-US" sz="2799" dirty="0" err="1">
+                <a:solidFill>
+                  <a:srgbClr val="29235C"/>
+                </a:solidFill>
+                <a:latin typeface="Mallanna"/>
+                <a:ea typeface="Mallanna"/>
+                <a:cs typeface="Mallanna"/>
+                <a:sym typeface="Mallanna"/>
+              </a:rPr>
+              <a:t>instante</a:t>
+            </a:r>
+            <a:r>
+              <a:rPr lang="en-US" sz="2799" dirty="0">
+                <a:solidFill>
+                  <a:srgbClr val="29235C"/>
+                </a:solidFill>
+                <a:latin typeface="Mallanna"/>
+                <a:ea typeface="Mallanna"/>
+                <a:cs typeface="Mallanna"/>
+                <a:sym typeface="Mallanna"/>
+              </a:rPr>
+              <a:t> de la </a:t>
+            </a:r>
+            <a:r>
               <a:rPr lang="en-US" sz="2799">
                 <a:solidFill>
                   <a:srgbClr val="29235C"/>
@@ -23058,8 +23190,17 @@
                 <a:cs typeface="Mallanna"/>
                 <a:sym typeface="Mallanna"/>
               </a:rPr>
-              <a:t>Las ventas se procesan de forma transaccional (BEGIN/COMMIT).</a:t>
+              <a:t>compra</a:t>
             </a:r>
+            <a:endParaRPr lang="en-US" sz="2799" dirty="0">
+              <a:solidFill>
+                <a:srgbClr val="29235C"/>
+              </a:solidFill>
+              <a:latin typeface="Mallanna"/>
+              <a:ea typeface="Mallanna"/>
+              <a:cs typeface="Mallanna"/>
+              <a:sym typeface="Mallanna"/>
+            </a:endParaRPr>
           </a:p>
           <a:p>
             <a:pPr marL="604519" lvl="1" indent="-302260" algn="l">
@@ -23070,7 +23211,7 @@
               <a:buChar char="•"/>
             </a:pPr>
             <a:r>
-              <a:rPr lang="en-US" sz="2799">
+              <a:rPr lang="en-US" sz="2799" dirty="0">
                 <a:solidFill>
                   <a:srgbClr val="29235C"/>
                 </a:solidFill>
@@ -23079,7 +23220,55 @@
                 <a:cs typeface="Mallanna"/>
                 <a:sym typeface="Mallanna"/>
               </a:rPr>
-              <a:t>Los triggers se ejecutan automaticamente.</a:t>
+              <a:t>Los triggers se </a:t>
+            </a:r>
+            <a:r>
+              <a:rPr lang="en-US" sz="2799" dirty="0" err="1">
+                <a:solidFill>
+                  <a:srgbClr val="29235C"/>
+                </a:solidFill>
+                <a:latin typeface="Mallanna"/>
+                <a:ea typeface="Mallanna"/>
+                <a:cs typeface="Mallanna"/>
+                <a:sym typeface="Mallanna"/>
+              </a:rPr>
+              <a:t>ejecutan</a:t>
+            </a:r>
+            <a:r>
+              <a:rPr lang="en-US" sz="2799" dirty="0">
+                <a:solidFill>
+                  <a:srgbClr val="29235C"/>
+                </a:solidFill>
+                <a:latin typeface="Mallanna"/>
+                <a:ea typeface="Mallanna"/>
+                <a:cs typeface="Mallanna"/>
+                <a:sym typeface="Mallanna"/>
+              </a:rPr>
+              <a:t> </a:t>
+            </a:r>
+            <a:r>
+              <a:rPr lang="en-US" sz="2799" dirty="0" err="1">
+                <a:solidFill>
+                  <a:srgbClr val="29235C"/>
+                </a:solidFill>
+                <a:latin typeface="Mallanna"/>
+                <a:ea typeface="Mallanna"/>
+                <a:cs typeface="Mallanna"/>
+                <a:sym typeface="Mallanna"/>
+              </a:rPr>
+              <a:t>automaticamente</a:t>
+            </a:r>
+            <a:r>
+              <a:rPr lang="en-US" sz="2799" dirty="0">
+                <a:solidFill>
+                  <a:srgbClr val="29235C"/>
+                </a:solidFill>
+                <a:latin typeface="Mallanna"/>
+                <a:ea typeface="Mallanna"/>
+                <a:cs typeface="Mallanna"/>
+                <a:sym typeface="Mallanna"/>
+              </a:rPr>
+              <a:t>.</a:t>
             </a:r>
           </a:p>
         </p:txBody>
